--- a/images/hex/clean/logos.pptx
+++ b/images/hex/clean/logos.pptx
@@ -104,6 +104,11 @@
       </a:defRPr>
     </a:lvl9pPr>
   </p:defaultTextStyle>
+  <p:extLst>
+    <p:ext uri="{EFAFB233-063F-42B5-8137-9DF3F51BA10A}">
+      <p15:sldGuideLst xmlns:p15="http://schemas.microsoft.com/office/powerpoint/2012/main"/>
+    </p:ext>
+  </p:extLst>
 </p:presentation>
 </file>
 
@@ -4026,6 +4031,163 @@
           </p:txBody>
         </p:sp>
       </p:grpSp>
+      <p:grpSp>
+        <p:nvGrpSpPr>
+          <p:cNvPr id="4" name="Group 3">
+            <a:extLst>
+              <a:ext uri="{FF2B5EF4-FFF2-40B4-BE49-F238E27FC236}">
+                <a16:creationId xmlns:a16="http://schemas.microsoft.com/office/drawing/2014/main" id="{5926C5BD-5435-2245-8C90-008C67C4AE8C}"/>
+              </a:ext>
+            </a:extLst>
+          </p:cNvPr>
+          <p:cNvGrpSpPr/>
+          <p:nvPr/>
+        </p:nvGrpSpPr>
+        <p:grpSpPr>
+          <a:xfrm>
+            <a:off x="8426780" y="1689100"/>
+            <a:ext cx="3009900" cy="3479800"/>
+            <a:chOff x="8426780" y="1689100"/>
+            <a:chExt cx="3009900" cy="3479800"/>
+          </a:xfrm>
+        </p:grpSpPr>
+        <p:pic>
+          <p:nvPicPr>
+            <p:cNvPr id="18" name="Picture 17">
+              <a:extLst>
+                <a:ext uri="{FF2B5EF4-FFF2-40B4-BE49-F238E27FC236}">
+                  <a16:creationId xmlns:a16="http://schemas.microsoft.com/office/drawing/2014/main" id="{6159C628-206F-0943-9576-26D6DDAA5045}"/>
+                </a:ext>
+              </a:extLst>
+            </p:cNvPr>
+            <p:cNvPicPr>
+              <a:picLocks noChangeAspect="1"/>
+            </p:cNvPicPr>
+            <p:nvPr/>
+          </p:nvPicPr>
+          <p:blipFill>
+            <a:blip r:embed="rId2"/>
+            <a:stretch>
+              <a:fillRect/>
+            </a:stretch>
+          </p:blipFill>
+          <p:spPr>
+            <a:xfrm>
+              <a:off x="8426780" y="1689100"/>
+              <a:ext cx="3009900" cy="3479800"/>
+            </a:xfrm>
+            <a:prstGeom prst="rect">
+              <a:avLst/>
+            </a:prstGeom>
+          </p:spPr>
+        </p:pic>
+        <p:sp>
+          <p:nvSpPr>
+            <p:cNvPr id="2" name="Hexagon 1">
+              <a:extLst>
+                <a:ext uri="{FF2B5EF4-FFF2-40B4-BE49-F238E27FC236}">
+                  <a16:creationId xmlns:a16="http://schemas.microsoft.com/office/drawing/2014/main" id="{7AE1A5BC-2D99-564A-9CF4-155995385689}"/>
+                </a:ext>
+              </a:extLst>
+            </p:cNvPr>
+            <p:cNvSpPr/>
+            <p:nvPr/>
+          </p:nvSpPr>
+          <p:spPr>
+            <a:xfrm>
+              <a:off x="8887874" y="2529124"/>
+              <a:ext cx="2087711" cy="1799751"/>
+            </a:xfrm>
+            <a:prstGeom prst="hexagon">
+              <a:avLst/>
+            </a:prstGeom>
+            <a:solidFill>
+              <a:schemeClr val="bg1">
+                <a:lumMod val="95000"/>
+              </a:schemeClr>
+            </a:solidFill>
+            <a:ln>
+              <a:noFill/>
+            </a:ln>
+          </p:spPr>
+          <p:style>
+            <a:lnRef idx="2">
+              <a:schemeClr val="accent1">
+                <a:shade val="50000"/>
+              </a:schemeClr>
+            </a:lnRef>
+            <a:fillRef idx="1">
+              <a:schemeClr val="accent1"/>
+            </a:fillRef>
+            <a:effectRef idx="0">
+              <a:schemeClr val="accent1"/>
+            </a:effectRef>
+            <a:fontRef idx="minor">
+              <a:schemeClr val="lt1"/>
+            </a:fontRef>
+          </p:style>
+          <p:txBody>
+            <a:bodyPr rtlCol="0" anchor="ctr"/>
+            <a:lstStyle/>
+            <a:p>
+              <a:pPr algn="ctr"/>
+              <a:endParaRPr lang="en-US"/>
+            </a:p>
+          </p:txBody>
+        </p:sp>
+        <p:sp>
+          <p:nvSpPr>
+            <p:cNvPr id="3" name="Oval 2">
+              <a:extLst>
+                <a:ext uri="{FF2B5EF4-FFF2-40B4-BE49-F238E27FC236}">
+                  <a16:creationId xmlns:a16="http://schemas.microsoft.com/office/drawing/2014/main" id="{8DEA5E3D-4447-5F48-A517-C8B6701C02BC}"/>
+                </a:ext>
+              </a:extLst>
+            </p:cNvPr>
+            <p:cNvSpPr/>
+            <p:nvPr/>
+          </p:nvSpPr>
+          <p:spPr>
+            <a:xfrm>
+              <a:off x="9438457" y="2935727"/>
+              <a:ext cx="986544" cy="986544"/>
+            </a:xfrm>
+            <a:prstGeom prst="ellipse">
+              <a:avLst/>
+            </a:prstGeom>
+            <a:solidFill>
+              <a:srgbClr val="242626"/>
+            </a:solidFill>
+            <a:ln>
+              <a:noFill/>
+            </a:ln>
+          </p:spPr>
+          <p:style>
+            <a:lnRef idx="2">
+              <a:schemeClr val="accent1">
+                <a:shade val="50000"/>
+              </a:schemeClr>
+            </a:lnRef>
+            <a:fillRef idx="1">
+              <a:schemeClr val="accent1"/>
+            </a:fillRef>
+            <a:effectRef idx="0">
+              <a:schemeClr val="accent1"/>
+            </a:effectRef>
+            <a:fontRef idx="minor">
+              <a:schemeClr val="lt1"/>
+            </a:fontRef>
+          </p:style>
+          <p:txBody>
+            <a:bodyPr rtlCol="0" anchor="ctr"/>
+            <a:lstStyle/>
+            <a:p>
+              <a:pPr algn="ctr"/>
+              <a:endParaRPr lang="en-US"/>
+            </a:p>
+          </p:txBody>
+        </p:sp>
+      </p:grpSp>
     </p:spTree>
     <p:extLst>
       <p:ext uri="{BB962C8B-B14F-4D97-AF65-F5344CB8AC3E}">
